--- a/documentation/Spark_Worldfeed.pptx
+++ b/documentation/Spark_Worldfeed.pptx
@@ -6,16 +6,15 @@
   </p:sldMasterIdLst>
   <p:sldIdLst>
     <p:sldId id="256" r:id="rId2"/>
-    <p:sldId id="257" r:id="rId3"/>
+    <p:sldId id="267" r:id="rId3"/>
     <p:sldId id="258" r:id="rId4"/>
     <p:sldId id="259" r:id="rId5"/>
     <p:sldId id="260" r:id="rId6"/>
     <p:sldId id="261" r:id="rId7"/>
     <p:sldId id="266" r:id="rId8"/>
     <p:sldId id="264" r:id="rId9"/>
-    <p:sldId id="262" r:id="rId10"/>
-    <p:sldId id="263" r:id="rId11"/>
-    <p:sldId id="265" r:id="rId12"/>
+    <p:sldId id="268" r:id="rId10"/>
+    <p:sldId id="265" r:id="rId11"/>
   </p:sldIdLst>
   <p:sldSz cx="12192000" cy="6858000"/>
   <p:notesSz cx="6858000" cy="9144000"/>
@@ -248,7 +247,7 @@
           <a:p>
             <a:fld id="{7F3F00C6-8544-3B4B-939B-DBEFFE354DE5}" type="datetimeFigureOut">
               <a:rPr lang="en-US" smtClean="0"/>
-              <a:t>16.06.17</a:t>
+              <a:t>18.06.17</a:t>
             </a:fld>
             <a:endParaRPr lang="en-US"/>
           </a:p>
@@ -418,7 +417,7 @@
           <a:p>
             <a:fld id="{7F3F00C6-8544-3B4B-939B-DBEFFE354DE5}" type="datetimeFigureOut">
               <a:rPr lang="en-US" smtClean="0"/>
-              <a:t>16.06.17</a:t>
+              <a:t>18.06.17</a:t>
             </a:fld>
             <a:endParaRPr lang="en-US"/>
           </a:p>
@@ -598,7 +597,7 @@
           <a:p>
             <a:fld id="{7F3F00C6-8544-3B4B-939B-DBEFFE354DE5}" type="datetimeFigureOut">
               <a:rPr lang="en-US" smtClean="0"/>
-              <a:t>16.06.17</a:t>
+              <a:t>18.06.17</a:t>
             </a:fld>
             <a:endParaRPr lang="en-US"/>
           </a:p>
@@ -768,7 +767,7 @@
           <a:p>
             <a:fld id="{7F3F00C6-8544-3B4B-939B-DBEFFE354DE5}" type="datetimeFigureOut">
               <a:rPr lang="en-US" smtClean="0"/>
-              <a:t>16.06.17</a:t>
+              <a:t>18.06.17</a:t>
             </a:fld>
             <a:endParaRPr lang="en-US"/>
           </a:p>
@@ -1014,7 +1013,7 @@
           <a:p>
             <a:fld id="{7F3F00C6-8544-3B4B-939B-DBEFFE354DE5}" type="datetimeFigureOut">
               <a:rPr lang="en-US" smtClean="0"/>
-              <a:t>16.06.17</a:t>
+              <a:t>18.06.17</a:t>
             </a:fld>
             <a:endParaRPr lang="en-US"/>
           </a:p>
@@ -1246,7 +1245,7 @@
           <a:p>
             <a:fld id="{7F3F00C6-8544-3B4B-939B-DBEFFE354DE5}" type="datetimeFigureOut">
               <a:rPr lang="en-US" smtClean="0"/>
-              <a:t>16.06.17</a:t>
+              <a:t>18.06.17</a:t>
             </a:fld>
             <a:endParaRPr lang="en-US"/>
           </a:p>
@@ -1613,7 +1612,7 @@
           <a:p>
             <a:fld id="{7F3F00C6-8544-3B4B-939B-DBEFFE354DE5}" type="datetimeFigureOut">
               <a:rPr lang="en-US" smtClean="0"/>
-              <a:t>16.06.17</a:t>
+              <a:t>18.06.17</a:t>
             </a:fld>
             <a:endParaRPr lang="en-US"/>
           </a:p>
@@ -1731,7 +1730,7 @@
           <a:p>
             <a:fld id="{7F3F00C6-8544-3B4B-939B-DBEFFE354DE5}" type="datetimeFigureOut">
               <a:rPr lang="en-US" smtClean="0"/>
-              <a:t>16.06.17</a:t>
+              <a:t>18.06.17</a:t>
             </a:fld>
             <a:endParaRPr lang="en-US"/>
           </a:p>
@@ -1826,7 +1825,7 @@
           <a:p>
             <a:fld id="{7F3F00C6-8544-3B4B-939B-DBEFFE354DE5}" type="datetimeFigureOut">
               <a:rPr lang="en-US" smtClean="0"/>
-              <a:t>16.06.17</a:t>
+              <a:t>18.06.17</a:t>
             </a:fld>
             <a:endParaRPr lang="en-US"/>
           </a:p>
@@ -2103,7 +2102,7 @@
           <a:p>
             <a:fld id="{7F3F00C6-8544-3B4B-939B-DBEFFE354DE5}" type="datetimeFigureOut">
               <a:rPr lang="en-US" smtClean="0"/>
-              <a:t>16.06.17</a:t>
+              <a:t>18.06.17</a:t>
             </a:fld>
             <a:endParaRPr lang="en-US"/>
           </a:p>
@@ -2356,7 +2355,7 @@
           <a:p>
             <a:fld id="{7F3F00C6-8544-3B4B-939B-DBEFFE354DE5}" type="datetimeFigureOut">
               <a:rPr lang="en-US" smtClean="0"/>
-              <a:t>16.06.17</a:t>
+              <a:t>18.06.17</a:t>
             </a:fld>
             <a:endParaRPr lang="en-US"/>
           </a:p>
@@ -2569,7 +2568,7 @@
           <a:p>
             <a:fld id="{7F3F00C6-8544-3B4B-939B-DBEFFE354DE5}" type="datetimeFigureOut">
               <a:rPr lang="en-US" smtClean="0"/>
-              <a:t>16.06.17</a:t>
+              <a:t>18.06.17</a:t>
             </a:fld>
             <a:endParaRPr lang="en-US"/>
           </a:p>
@@ -3062,174 +3061,6 @@
           <a:chExt cx="0" cy="0"/>
         </a:xfrm>
       </p:grpSpPr>
-      <p:pic>
-        <p:nvPicPr>
-          <p:cNvPr id="4" name="Bild 3"/>
-          <p:cNvPicPr>
-            <a:picLocks noChangeAspect="1"/>
-          </p:cNvPicPr>
-          <p:nvPr/>
-        </p:nvPicPr>
-        <p:blipFill>
-          <a:blip r:embed="rId2"/>
-          <a:stretch>
-            <a:fillRect/>
-          </a:stretch>
-        </p:blipFill>
-        <p:spPr>
-          <a:xfrm>
-            <a:off x="4177657" y="452766"/>
-            <a:ext cx="8094067" cy="6405209"/>
-          </a:xfrm>
-          <a:prstGeom prst="rect">
-            <a:avLst/>
-          </a:prstGeom>
-        </p:spPr>
-      </p:pic>
-      <p:sp>
-        <p:nvSpPr>
-          <p:cNvPr id="2" name="Title 1"/>
-          <p:cNvSpPr>
-            <a:spLocks noGrp="1"/>
-          </p:cNvSpPr>
-          <p:nvPr>
-            <p:ph type="title"/>
-          </p:nvPr>
-        </p:nvSpPr>
-        <p:spPr/>
-        <p:txBody>
-          <a:bodyPr/>
-          <a:lstStyle/>
-          <a:p>
-            <a:r>
-              <a:rPr lang="en-US" dirty="0" err="1" smtClean="0"/>
-              <a:t>Visualisierung</a:t>
-            </a:r>
-            <a:endParaRPr lang="en-US" dirty="0"/>
-          </a:p>
-        </p:txBody>
-      </p:sp>
-      <p:sp>
-        <p:nvSpPr>
-          <p:cNvPr id="3" name="Content Placeholder 2"/>
-          <p:cNvSpPr>
-            <a:spLocks noGrp="1"/>
-          </p:cNvSpPr>
-          <p:nvPr>
-            <p:ph idx="1"/>
-          </p:nvPr>
-        </p:nvSpPr>
-        <p:spPr>
-          <a:xfrm>
-            <a:off x="838200" y="1825625"/>
-            <a:ext cx="4517887" cy="4351338"/>
-          </a:xfrm>
-        </p:spPr>
-        <p:txBody>
-          <a:bodyPr/>
-          <a:lstStyle/>
-          <a:p>
-            <a:r>
-              <a:rPr lang="en-US" smtClean="0"/>
-              <a:t>Live Update</a:t>
-            </a:r>
-            <a:endParaRPr lang="en-US" dirty="0" smtClean="0"/>
-          </a:p>
-          <a:p>
-            <a:r>
-              <a:rPr lang="en-US" dirty="0" err="1" smtClean="0"/>
-              <a:t>Sprache</a:t>
-            </a:r>
-            <a:r>
-              <a:rPr lang="en-US" dirty="0" smtClean="0"/>
-              <a:t>: </a:t>
-            </a:r>
-            <a:r>
-              <a:rPr lang="en-US" dirty="0" err="1" smtClean="0"/>
-              <a:t>Javascript</a:t>
-            </a:r>
-            <a:endParaRPr lang="en-US" dirty="0" smtClean="0"/>
-          </a:p>
-          <a:p>
-            <a:r>
-              <a:rPr lang="en-US" dirty="0" smtClean="0"/>
-              <a:t>Server: </a:t>
-            </a:r>
-            <a:r>
-              <a:rPr lang="en-US" dirty="0" err="1" smtClean="0"/>
-              <a:t>Node.js</a:t>
-            </a:r>
-            <a:endParaRPr lang="en-US" dirty="0"/>
-          </a:p>
-          <a:p>
-            <a:r>
-              <a:rPr lang="en-US" dirty="0" smtClean="0"/>
-              <a:t>Framework: </a:t>
-            </a:r>
-            <a:r>
-              <a:rPr lang="en-US" dirty="0" err="1" smtClean="0"/>
-              <a:t>React.js</a:t>
-            </a:r>
-            <a:endParaRPr lang="en-US" dirty="0"/>
-          </a:p>
-          <a:p>
-            <a:r>
-              <a:rPr lang="en-US" dirty="0" smtClean="0"/>
-              <a:t>Chart </a:t>
-            </a:r>
-            <a:r>
-              <a:rPr lang="en-US" dirty="0" err="1" smtClean="0"/>
-              <a:t>Bibliothek</a:t>
-            </a:r>
-            <a:r>
-              <a:rPr lang="en-US" dirty="0" smtClean="0"/>
-              <a:t>: </a:t>
-            </a:r>
-            <a:r>
-              <a:rPr lang="en-US" dirty="0" err="1" smtClean="0"/>
-              <a:t>Highcharts.js</a:t>
-            </a:r>
-            <a:endParaRPr lang="en-US" dirty="0"/>
-          </a:p>
-        </p:txBody>
-      </p:sp>
-    </p:spTree>
-    <p:extLst>
-      <p:ext uri="{BB962C8B-B14F-4D97-AF65-F5344CB8AC3E}">
-        <p14:creationId xmlns:p14="http://schemas.microsoft.com/office/powerpoint/2010/main" val="75292401"/>
-      </p:ext>
-    </p:extLst>
-  </p:cSld>
-  <p:clrMapOvr>
-    <a:masterClrMapping/>
-  </p:clrMapOvr>
-  <p:timing>
-    <p:tnLst>
-      <p:par>
-        <p:cTn xmlns:p14="http://schemas.microsoft.com/office/powerpoint/2010/main" id="1" dur="indefinite" restart="never" nodeType="tmRoot"/>
-      </p:par>
-    </p:tnLst>
-  </p:timing>
-</p:sld>
-</file>
-
-<file path=ppt/slides/slide11.xml><?xml version="1.0" encoding="utf-8"?>
-<p:sld xmlns:a="http://schemas.openxmlformats.org/drawingml/2006/main" xmlns:r="http://schemas.openxmlformats.org/officeDocument/2006/relationships" xmlns:p="http://schemas.openxmlformats.org/presentationml/2006/main">
-  <p:cSld>
-    <p:spTree>
-      <p:nvGrpSpPr>
-        <p:cNvPr id="1" name=""/>
-        <p:cNvGrpSpPr/>
-        <p:nvPr/>
-      </p:nvGrpSpPr>
-      <p:grpSpPr>
-        <a:xfrm>
-          <a:off x="0" y="0"/>
-          <a:ext cx="0" cy="0"/>
-          <a:chOff x="0" y="0"/>
-          <a:chExt cx="0" cy="0"/>
-        </a:xfrm>
-      </p:grpSpPr>
       <p:sp>
         <p:nvSpPr>
           <p:cNvPr id="2" name="Title 1"/>
@@ -3282,13 +3113,6 @@
   <p:clrMapOvr>
     <a:masterClrMapping/>
   </p:clrMapOvr>
-  <p:timing>
-    <p:tnLst>
-      <p:par>
-        <p:cTn xmlns:p14="http://schemas.microsoft.com/office/powerpoint/2010/main" id="1" dur="indefinite" restart="never" nodeType="tmRoot"/>
-      </p:par>
-    </p:tnLst>
-  </p:timing>
 </p:sld>
 </file>
 
@@ -3326,7 +3150,7 @@
           <a:p>
             <a:r>
               <a:rPr lang="en-US" dirty="0" err="1" smtClean="0"/>
-              <a:t>Projektziele</a:t>
+              <a:t>Projektidee</a:t>
             </a:r>
             <a:endParaRPr lang="en-US" dirty="0"/>
           </a:p>
@@ -3387,17 +3211,6 @@
               <a:t>Daten</a:t>
             </a:r>
             <a:endParaRPr lang="en-US" dirty="0" smtClean="0"/>
-          </a:p>
-          <a:p>
-            <a:pPr lvl="1"/>
-            <a:r>
-              <a:rPr lang="en-US" dirty="0" err="1" smtClean="0"/>
-              <a:t>Kein</a:t>
-            </a:r>
-            <a:r>
-              <a:rPr lang="en-US" dirty="0" smtClean="0"/>
-              <a:t> Twitter</a:t>
-            </a:r>
           </a:p>
           <a:p>
             <a:r>
@@ -3455,7 +3268,7 @@
     </p:spTree>
     <p:extLst>
       <p:ext uri="{BB962C8B-B14F-4D97-AF65-F5344CB8AC3E}">
-        <p14:creationId xmlns:p14="http://schemas.microsoft.com/office/powerpoint/2010/main" val="540150349"/>
+        <p14:creationId xmlns:p14="http://schemas.microsoft.com/office/powerpoint/2010/main" val="1960872616"/>
       </p:ext>
     </p:extLst>
   </p:cSld>
@@ -3503,7 +3316,7 @@
             </a:r>
             <a:r>
               <a:rPr lang="en-US" dirty="0" smtClean="0"/>
-              <a:t>: Satori World Feed</a:t>
+              <a:t>:                     World Feed</a:t>
             </a:r>
             <a:endParaRPr lang="en-US" dirty="0"/>
           </a:p>
@@ -3624,6 +3437,36 @@
           </a:p>
         </p:txBody>
       </p:sp>
+      <p:pic>
+        <p:nvPicPr>
+          <p:cNvPr id="4" name="Picture 3"/>
+          <p:cNvPicPr>
+            <a:picLocks noChangeAspect="1"/>
+          </p:cNvPicPr>
+          <p:nvPr/>
+        </p:nvPicPr>
+        <p:blipFill>
+          <a:blip r:embed="rId2">
+            <a:extLst>
+              <a:ext uri="{28A0092B-C50C-407E-A947-70E740481C1C}">
+                <a14:useLocalDpi xmlns:a14="http://schemas.microsoft.com/office/drawing/2010/main" val="0"/>
+              </a:ext>
+            </a:extLst>
+          </a:blip>
+          <a:stretch>
+            <a:fillRect/>
+          </a:stretch>
+        </p:blipFill>
+        <p:spPr>
+          <a:xfrm>
+            <a:off x="2524672" y="742156"/>
+            <a:ext cx="2400300" cy="571500"/>
+          </a:xfrm>
+          <a:prstGeom prst="rect">
+            <a:avLst/>
+          </a:prstGeom>
+        </p:spPr>
+      </p:pic>
     </p:spTree>
     <p:extLst>
       <p:ext uri="{BB962C8B-B14F-4D97-AF65-F5344CB8AC3E}">
@@ -3839,25 +3682,8 @@
             </a:r>
             <a:r>
               <a:rPr lang="en-US" dirty="0" smtClean="0"/>
-              <a:t> IO issue </a:t>
-            </a:r>
-            <a:r>
-              <a:rPr lang="en-US" dirty="0" err="1" smtClean="0"/>
-              <a:t>wie</a:t>
-            </a:r>
-            <a:r>
-              <a:rPr lang="en-US" dirty="0" smtClean="0"/>
-              <a:t> </a:t>
-            </a:r>
-            <a:r>
-              <a:rPr lang="en-US" dirty="0" err="1" smtClean="0"/>
-              <a:t>mit</a:t>
-            </a:r>
-            <a:r>
-              <a:rPr lang="en-US" dirty="0" smtClean="0"/>
-              <a:t> HDFS</a:t>
-            </a:r>
-            <a:endParaRPr lang="en-US" dirty="0"/>
+              <a:t> IO Issue</a:t>
+            </a:r>
           </a:p>
           <a:p>
             <a:pPr lvl="1"/>
@@ -3896,7 +3722,7 @@
             </a:r>
             <a:r>
               <a:rPr lang="en-US" dirty="0" smtClean="0"/>
-              <a:t>afka + Spark checkpoints)</a:t>
+              <a:t>afka + Spark Streaming checkpoints)</a:t>
             </a:r>
             <a:endParaRPr lang="en-US" dirty="0"/>
           </a:p>
@@ -4069,41 +3895,92 @@
           <a:p>
             <a:pPr lvl="1"/>
             <a:r>
-              <a:rPr lang="en-US" dirty="0" smtClean="0"/>
+              <a:rPr lang="en-US" dirty="0" smtClean="0">
+                <a:solidFill>
+                  <a:srgbClr val="00B050"/>
+                </a:solidFill>
+              </a:rPr>
               <a:t>Kafka</a:t>
             </a:r>
           </a:p>
           <a:p>
             <a:pPr lvl="2"/>
             <a:r>
-              <a:rPr lang="en-US" dirty="0" err="1" smtClean="0"/>
+              <a:rPr lang="en-US" dirty="0" err="1" smtClean="0">
+                <a:solidFill>
+                  <a:srgbClr val="00B050"/>
+                </a:solidFill>
+              </a:rPr>
               <a:t>Empfehlung</a:t>
             </a:r>
             <a:r>
-              <a:rPr lang="en-US" dirty="0" smtClean="0"/>
+              <a:rPr lang="en-US" dirty="0" smtClean="0">
+                <a:solidFill>
+                  <a:srgbClr val="00B050"/>
+                </a:solidFill>
+              </a:rPr>
               <a:t> </a:t>
             </a:r>
             <a:r>
-              <a:rPr lang="en-US" dirty="0" err="1" smtClean="0"/>
+              <a:rPr lang="en-US" dirty="0" err="1" smtClean="0">
+                <a:solidFill>
+                  <a:srgbClr val="00B050"/>
+                </a:solidFill>
+              </a:rPr>
               <a:t>für</a:t>
             </a:r>
             <a:r>
-              <a:rPr lang="en-US" dirty="0" smtClean="0"/>
+              <a:rPr lang="en-US" dirty="0" smtClean="0">
+                <a:solidFill>
+                  <a:srgbClr val="00B050"/>
+                </a:solidFill>
+              </a:rPr>
               <a:t> </a:t>
             </a:r>
             <a:r>
-              <a:rPr lang="en-US" dirty="0" err="1" smtClean="0"/>
+              <a:rPr lang="en-US" dirty="0" err="1" smtClean="0">
+                <a:solidFill>
+                  <a:srgbClr val="00B050"/>
+                </a:solidFill>
+              </a:rPr>
               <a:t>produktiven</a:t>
             </a:r>
             <a:r>
-              <a:rPr lang="en-US" dirty="0" smtClean="0"/>
+              <a:rPr lang="en-US" dirty="0" smtClean="0">
+                <a:solidFill>
+                  <a:srgbClr val="00B050"/>
+                </a:solidFill>
+              </a:rPr>
               <a:t> </a:t>
             </a:r>
             <a:r>
-              <a:rPr lang="en-US" dirty="0" err="1" smtClean="0"/>
+              <a:rPr lang="en-US" dirty="0" err="1" smtClean="0">
+                <a:solidFill>
+                  <a:srgbClr val="00B050"/>
+                </a:solidFill>
+              </a:rPr>
               <a:t>Einsatz</a:t>
             </a:r>
-            <a:endParaRPr lang="en-US" dirty="0" smtClean="0"/>
+            <a:r>
+              <a:rPr lang="en-US" dirty="0" smtClean="0">
+                <a:solidFill>
+                  <a:srgbClr val="00B050"/>
+                </a:solidFill>
+              </a:rPr>
+              <a:t/>
+            </a:r>
+            <a:br>
+              <a:rPr lang="en-US" dirty="0" smtClean="0">
+                <a:solidFill>
+                  <a:srgbClr val="00B050"/>
+                </a:solidFill>
+              </a:rPr>
+            </a:br>
+            <a:endParaRPr lang="en-US" dirty="0" smtClean="0">
+              <a:solidFill>
+                <a:srgbClr val="00B050"/>
+              </a:solidFill>
+            </a:endParaRPr>
           </a:p>
           <a:p>
             <a:r>
@@ -4131,11 +4008,19 @@
               <a:t> </a:t>
             </a:r>
             <a:r>
-              <a:rPr lang="en-US" dirty="0" err="1" smtClean="0"/>
+              <a:rPr lang="en-US" sz="2200" dirty="0" err="1" smtClean="0">
+                <a:latin typeface="Courier New" charset="0"/>
+                <a:ea typeface="Courier New" charset="0"/>
+                <a:cs typeface="Courier New" charset="0"/>
+              </a:rPr>
               <a:t>withColumn</a:t>
             </a:r>
             <a:r>
-              <a:rPr lang="en-US" dirty="0" smtClean="0"/>
+              <a:rPr lang="en-US" sz="2200" dirty="0" smtClean="0">
+                <a:latin typeface="Courier New" charset="0"/>
+                <a:ea typeface="Courier New" charset="0"/>
+                <a:cs typeface="Courier New" charset="0"/>
+              </a:rPr>
               <a:t>()</a:t>
             </a:r>
           </a:p>
@@ -4156,13 +4041,16 @@
               <a:t> </a:t>
             </a:r>
             <a:r>
-              <a:rPr lang="en-US" dirty="0" err="1" smtClean="0">
+              <a:rPr lang="en-US" sz="1900" dirty="0" err="1" smtClean="0">
+                <a:latin typeface="Courier New" charset="0"/>
+                <a:ea typeface="Courier New" charset="0"/>
+                <a:cs typeface="Courier New" charset="0"/>
                 <a:sym typeface="Wingdings"/>
               </a:rPr>
               <a:t>langId</a:t>
             </a:r>
             <a:r>
-              <a:rPr lang="en-US" dirty="0" smtClean="0">
+              <a:rPr lang="en-US" sz="1900" dirty="0" smtClean="0">
                 <a:sym typeface="Wingdings"/>
               </a:rPr>
               <a:t> </a:t>
@@ -4197,7 +4085,30 @@
               <a:rPr lang="en-US" dirty="0" err="1" smtClean="0"/>
               <a:t>Adresse</a:t>
             </a:r>
-            <a:endParaRPr lang="en-US" dirty="0" smtClean="0"/>
+            <a:r>
+              <a:rPr lang="en-US" dirty="0" smtClean="0"/>
+              <a:t> (</a:t>
+            </a:r>
+            <a:r>
+              <a:rPr lang="en-US" sz="1900" dirty="0" smtClean="0">
+                <a:latin typeface="Courier New" charset="0"/>
+                <a:ea typeface="Courier New" charset="0"/>
+                <a:cs typeface="Courier New" charset="0"/>
+              </a:rPr>
+              <a:t>geoip2 </a:t>
+            </a:r>
+            <a:r>
+              <a:rPr lang="en-US" dirty="0" smtClean="0"/>
+              <a:t>+ </a:t>
+            </a:r>
+            <a:r>
+              <a:rPr lang="en-US" dirty="0" err="1" smtClean="0"/>
+              <a:t>MaxMind</a:t>
+            </a:r>
+            <a:r>
+              <a:rPr lang="en-US" dirty="0" smtClean="0"/>
+              <a:t> DB)</a:t>
+            </a:r>
           </a:p>
           <a:p>
             <a:endParaRPr lang="en-US" dirty="0"/>
@@ -4293,6 +4204,10 @@
               <a:rPr lang="en-US" dirty="0" smtClean="0"/>
               <a:t> und Land</a:t>
             </a:r>
+            <a:br>
+              <a:rPr lang="en-US" dirty="0" smtClean="0"/>
+            </a:br>
+            <a:endParaRPr lang="en-US" dirty="0" smtClean="0"/>
           </a:p>
           <a:p>
             <a:r>
@@ -4336,7 +4251,11 @@
           <a:p>
             <a:pPr lvl="1"/>
             <a:r>
-              <a:rPr lang="en-US" dirty="0" smtClean="0"/>
+              <a:rPr lang="en-US" dirty="0" smtClean="0">
+                <a:solidFill>
+                  <a:srgbClr val="00B050"/>
+                </a:solidFill>
+              </a:rPr>
               <a:t>Kafka</a:t>
             </a:r>
           </a:p>
@@ -4395,14 +4314,14 @@
               <a:rPr lang="en-US" dirty="0" smtClean="0"/>
             </a:br>
             <a:r>
-              <a:rPr lang="en-US" sz="3600" dirty="0" err="1" smtClean="0"/>
+              <a:rPr lang="en-US" sz="3200" dirty="0" err="1" smtClean="0"/>
               <a:t>Lessions</a:t>
             </a:r>
             <a:r>
-              <a:rPr lang="en-US" sz="3600" dirty="0" smtClean="0"/>
+              <a:rPr lang="en-US" sz="3200" dirty="0" smtClean="0"/>
               <a:t> learned</a:t>
             </a:r>
-            <a:endParaRPr lang="en-US" dirty="0"/>
+            <a:endParaRPr lang="en-US" sz="4000" dirty="0"/>
           </a:p>
         </p:txBody>
       </p:sp>
@@ -4418,7 +4337,9 @@
         </p:nvSpPr>
         <p:spPr/>
         <p:txBody>
-          <a:bodyPr/>
+          <a:bodyPr>
+            <a:normAutofit fontScale="92500" lnSpcReduction="10000"/>
+          </a:bodyPr>
           <a:lstStyle/>
           <a:p>
             <a:r>
@@ -4445,6 +4366,103 @@
               <a:rPr lang="en-US" dirty="0" smtClean="0"/>
               <a:t> key/value</a:t>
             </a:r>
+            <a:br>
+              <a:rPr lang="en-US" dirty="0" smtClean="0"/>
+            </a:br>
+            <a:r>
+              <a:rPr lang="en-US" sz="2600" dirty="0" smtClean="0"/>
+              <a:t>.</a:t>
+            </a:r>
+            <a:r>
+              <a:rPr lang="en-US" sz="1700" dirty="0" smtClean="0">
+                <a:latin typeface="Courier New" charset="0"/>
+                <a:ea typeface="Courier New" charset="0"/>
+                <a:cs typeface="Courier New" charset="0"/>
+              </a:rPr>
+              <a:t>select(</a:t>
+            </a:r>
+            <a:r>
+              <a:rPr lang="en-US" sz="1700" dirty="0" err="1" smtClean="0">
+                <a:latin typeface="Courier New" charset="0"/>
+                <a:ea typeface="Courier New" charset="0"/>
+                <a:cs typeface="Courier New" charset="0"/>
+              </a:rPr>
+              <a:t>from_json</a:t>
+            </a:r>
+            <a:r>
+              <a:rPr lang="en-US" sz="1700" dirty="0" smtClean="0">
+                <a:latin typeface="Courier New" charset="0"/>
+                <a:ea typeface="Courier New" charset="0"/>
+                <a:cs typeface="Courier New" charset="0"/>
+              </a:rPr>
+              <a:t>(col("value").cast("string"),</a:t>
+            </a:r>
+            <a:r>
+              <a:rPr lang="en-US" sz="1700" dirty="0" err="1" smtClean="0">
+                <a:latin typeface="Courier New" charset="0"/>
+                <a:ea typeface="Courier New" charset="0"/>
+                <a:cs typeface="Courier New" charset="0"/>
+              </a:rPr>
+              <a:t>jsonSchema</a:t>
+            </a:r>
+            <a:r>
+              <a:rPr lang="en-US" sz="1700" dirty="0" smtClean="0">
+                <a:latin typeface="Courier New" charset="0"/>
+                <a:ea typeface="Courier New" charset="0"/>
+                <a:cs typeface="Courier New" charset="0"/>
+              </a:rPr>
+              <a:t>).alias(”</a:t>
+            </a:r>
+            <a:r>
+              <a:rPr lang="en-US" sz="1700" dirty="0" err="1" smtClean="0">
+                <a:latin typeface="Courier New" charset="0"/>
+                <a:ea typeface="Courier New" charset="0"/>
+                <a:cs typeface="Courier New" charset="0"/>
+              </a:rPr>
+              <a:t>json_value</a:t>
+            </a:r>
+            <a:r>
+              <a:rPr lang="en-US" sz="1700" dirty="0" smtClean="0">
+                <a:latin typeface="Courier New" charset="0"/>
+                <a:ea typeface="Courier New" charset="0"/>
+                <a:cs typeface="Courier New" charset="0"/>
+              </a:rPr>
+              <a:t>"))</a:t>
+            </a:r>
+            <a:br>
+              <a:rPr lang="en-US" sz="1700" dirty="0" smtClean="0">
+                <a:latin typeface="Courier New" charset="0"/>
+                <a:ea typeface="Courier New" charset="0"/>
+                <a:cs typeface="Courier New" charset="0"/>
+              </a:rPr>
+            </a:br>
+            <a:r>
+              <a:rPr lang="en-US" sz="1700" dirty="0" smtClean="0">
+                <a:latin typeface="Courier New" charset="0"/>
+                <a:ea typeface="Courier New" charset="0"/>
+                <a:cs typeface="Courier New" charset="0"/>
+              </a:rPr>
+              <a:t>.select(”</a:t>
+            </a:r>
+            <a:r>
+              <a:rPr lang="en-US" sz="1700" dirty="0" err="1" smtClean="0">
+                <a:latin typeface="Courier New" charset="0"/>
+                <a:ea typeface="Courier New" charset="0"/>
+                <a:cs typeface="Courier New" charset="0"/>
+              </a:rPr>
+              <a:t>json_value</a:t>
+            </a:r>
+            <a:r>
+              <a:rPr lang="en-US" sz="1700" dirty="0" smtClean="0">
+                <a:latin typeface="Courier New" charset="0"/>
+                <a:ea typeface="Courier New" charset="0"/>
+                <a:cs typeface="Courier New" charset="0"/>
+              </a:rPr>
+              <a:t>.*")</a:t>
+            </a:r>
+          </a:p>
+          <a:p>
+            <a:endParaRPr lang="en-US" dirty="0" smtClean="0"/>
           </a:p>
           <a:p>
             <a:r>
@@ -4459,6 +4477,126 @@
               <a:rPr lang="en-US" dirty="0" err="1" smtClean="0"/>
               <a:t>zurückhalten</a:t>
             </a:r>
+            <a:r>
+              <a:rPr lang="en-US" dirty="0" smtClean="0"/>
+              <a:t> </a:t>
+            </a:r>
+            <a:r>
+              <a:rPr lang="en-US" sz="2000" dirty="0">
+                <a:latin typeface="Courier New" charset="0"/>
+                <a:ea typeface="Courier New" charset="0"/>
+                <a:cs typeface="Courier New" charset="0"/>
+              </a:rPr>
+              <a:t>.</a:t>
+            </a:r>
+            <a:r>
+              <a:rPr lang="en-US" sz="2000" dirty="0" smtClean="0">
+                <a:latin typeface="Courier New" charset="0"/>
+                <a:ea typeface="Courier New" charset="0"/>
+                <a:cs typeface="Courier New" charset="0"/>
+              </a:rPr>
+              <a:t>trigger(</a:t>
+            </a:r>
+            <a:r>
+              <a:rPr lang="en-US" sz="2000" dirty="0" err="1" smtClean="0">
+                <a:latin typeface="Courier New" charset="0"/>
+                <a:ea typeface="Courier New" charset="0"/>
+                <a:cs typeface="Courier New" charset="0"/>
+              </a:rPr>
+              <a:t>processingTime</a:t>
+            </a:r>
+            <a:r>
+              <a:rPr lang="en-US" sz="2000" dirty="0" smtClean="0">
+                <a:latin typeface="Courier New" charset="0"/>
+                <a:ea typeface="Courier New" charset="0"/>
+                <a:cs typeface="Courier New" charset="0"/>
+              </a:rPr>
+              <a:t> = 5s)</a:t>
+            </a:r>
+            <a:endParaRPr lang="en-US" dirty="0" smtClean="0">
+              <a:latin typeface="Courier New" charset="0"/>
+              <a:ea typeface="Courier New" charset="0"/>
+              <a:cs typeface="Courier New" charset="0"/>
+            </a:endParaRPr>
+          </a:p>
+          <a:p>
+            <a:pPr lvl="1"/>
+            <a:r>
+              <a:rPr lang="en-US" dirty="0" smtClean="0"/>
+              <a:t>output </a:t>
+            </a:r>
+            <a:r>
+              <a:rPr lang="en-US" dirty="0" err="1" smtClean="0"/>
+              <a:t>wird</a:t>
+            </a:r>
+            <a:r>
+              <a:rPr lang="en-US" dirty="0" smtClean="0"/>
+              <a:t> </a:t>
+            </a:r>
+            <a:r>
+              <a:rPr lang="en-US" dirty="0" err="1" smtClean="0"/>
+              <a:t>sonst</a:t>
+            </a:r>
+            <a:r>
+              <a:rPr lang="en-US" dirty="0" smtClean="0"/>
+              <a:t> </a:t>
+            </a:r>
+            <a:r>
+              <a:rPr lang="en-US" dirty="0" err="1" smtClean="0"/>
+              <a:t>laufend</a:t>
+            </a:r>
+            <a:r>
+              <a:rPr lang="en-US" dirty="0" smtClean="0"/>
+              <a:t> </a:t>
+            </a:r>
+            <a:r>
+              <a:rPr lang="en-US" dirty="0" err="1" smtClean="0"/>
+              <a:t>geschrieben</a:t>
+            </a:r>
+            <a:r>
+              <a:rPr lang="en-US" dirty="0" smtClean="0"/>
+              <a:t>. </a:t>
+            </a:r>
+            <a:r>
+              <a:rPr lang="en-US" dirty="0" err="1" smtClean="0"/>
+              <a:t>Nicht</a:t>
+            </a:r>
+            <a:r>
+              <a:rPr lang="en-US" dirty="0" smtClean="0"/>
+              <a:t> </a:t>
+            </a:r>
+            <a:r>
+              <a:rPr lang="en-US" dirty="0" err="1" smtClean="0"/>
+              <a:t>erst</a:t>
+            </a:r>
+            <a:r>
+              <a:rPr lang="en-US" dirty="0" smtClean="0"/>
+              <a:t> </a:t>
+            </a:r>
+            <a:r>
+              <a:rPr lang="en-US" dirty="0" err="1" smtClean="0"/>
+              <a:t>nach</a:t>
+            </a:r>
+            <a:r>
+              <a:rPr lang="en-US" dirty="0" smtClean="0"/>
+              <a:t> </a:t>
+            </a:r>
+            <a:r>
+              <a:rPr lang="en-US" dirty="0" err="1" smtClean="0"/>
+              <a:t>Ablauf</a:t>
+            </a:r>
+            <a:r>
+              <a:rPr lang="en-US" dirty="0" smtClean="0"/>
+              <a:t> des </a:t>
+            </a:r>
+            <a:r>
+              <a:rPr lang="en-US" dirty="0" err="1" smtClean="0"/>
+              <a:t>Zeitfenster</a:t>
+            </a:r>
+            <a:endParaRPr lang="en-US" dirty="0" smtClean="0"/>
+          </a:p>
+          <a:p>
+            <a:pPr lvl="1"/>
             <a:endParaRPr lang="en-US" dirty="0" smtClean="0"/>
           </a:p>
           <a:p>
@@ -4473,13 +4611,119 @@
             </a:r>
             <a:r>
               <a:rPr lang="en-US" dirty="0" smtClean="0"/>
-              <a:t> von python functions in Spark User Defined Functions (UDF) </a:t>
-            </a:r>
-          </a:p>
-          <a:p>
-            <a:r>
-              <a:rPr lang="en-US" dirty="0" smtClean="0"/>
-              <a:t>Update Mode </a:t>
+              <a:t> von python functions in Spark User Defined Functions (UDF)</a:t>
+            </a:r>
+          </a:p>
+          <a:p>
+            <a:pPr marL="685800" lvl="2">
+              <a:spcBef>
+                <a:spcPts val="1000"/>
+              </a:spcBef>
+            </a:pPr>
+            <a:r>
+              <a:rPr lang="en-US" sz="1800" dirty="0" err="1" smtClean="0">
+                <a:latin typeface="Courier New" charset="0"/>
+                <a:ea typeface="Courier New" charset="0"/>
+                <a:cs typeface="Courier New" charset="0"/>
+              </a:rPr>
+              <a:t>dataframe.withColumn</a:t>
+            </a:r>
+            <a:r>
+              <a:rPr lang="en-US" sz="1800" dirty="0" smtClean="0">
+                <a:latin typeface="Courier New" charset="0"/>
+                <a:ea typeface="Courier New" charset="0"/>
+                <a:cs typeface="Courier New" charset="0"/>
+              </a:rPr>
+              <a:t>(</a:t>
+            </a:r>
+            <a:r>
+              <a:rPr lang="en-US" sz="1800" dirty="0" err="1" smtClean="0">
+                <a:latin typeface="Courier New" charset="0"/>
+                <a:ea typeface="Courier New" charset="0"/>
+                <a:cs typeface="Courier New" charset="0"/>
+              </a:rPr>
+              <a:t>new_col</a:t>
+            </a:r>
+            <a:r>
+              <a:rPr lang="en-US" sz="1800" dirty="0" smtClean="0">
+                <a:latin typeface="Courier New" charset="0"/>
+                <a:ea typeface="Courier New" charset="0"/>
+                <a:cs typeface="Courier New" charset="0"/>
+              </a:rPr>
+              <a:t>, </a:t>
+            </a:r>
+            <a:r>
+              <a:rPr lang="en-US" sz="1800" dirty="0" err="1" smtClean="0">
+                <a:latin typeface="Courier New" charset="0"/>
+                <a:ea typeface="Courier New" charset="0"/>
+                <a:cs typeface="Courier New" charset="0"/>
+              </a:rPr>
+              <a:t>some_udf</a:t>
+            </a:r>
+            <a:r>
+              <a:rPr lang="en-US" sz="1800" dirty="0" smtClean="0">
+                <a:latin typeface="Courier New" charset="0"/>
+                <a:ea typeface="Courier New" charset="0"/>
+                <a:cs typeface="Courier New" charset="0"/>
+              </a:rPr>
+              <a:t>(</a:t>
+            </a:r>
+            <a:r>
+              <a:rPr lang="en-US" sz="1800" dirty="0" err="1" smtClean="0">
+                <a:latin typeface="Courier New" charset="0"/>
+                <a:ea typeface="Courier New" charset="0"/>
+                <a:cs typeface="Courier New" charset="0"/>
+              </a:rPr>
+              <a:t>some_data</a:t>
+            </a:r>
+            <a:r>
+              <a:rPr lang="en-US" sz="1800" dirty="0" smtClean="0">
+                <a:latin typeface="Courier New" charset="0"/>
+                <a:ea typeface="Courier New" charset="0"/>
+                <a:cs typeface="Courier New" charset="0"/>
+              </a:rPr>
+              <a:t>))</a:t>
+            </a:r>
+          </a:p>
+          <a:p>
+            <a:endParaRPr lang="en-US" dirty="0" smtClean="0"/>
+          </a:p>
+          <a:p>
+            <a:r>
+              <a:rPr lang="en-US" sz="2000" dirty="0" err="1" smtClean="0">
+                <a:latin typeface="Courier New" charset="0"/>
+                <a:ea typeface="Courier New" charset="0"/>
+                <a:cs typeface="Courier New" charset="0"/>
+              </a:rPr>
+              <a:t>OutputMode</a:t>
+            </a:r>
+            <a:r>
+              <a:rPr lang="en-US" sz="2000" dirty="0" smtClean="0">
+                <a:latin typeface="Courier New" charset="0"/>
+                <a:ea typeface="Courier New" charset="0"/>
+                <a:cs typeface="Courier New" charset="0"/>
+              </a:rPr>
+              <a:t>=</a:t>
+            </a:r>
+            <a:r>
+              <a:rPr lang="en-US" sz="2000" dirty="0">
+                <a:latin typeface="Courier New" charset="0"/>
+                <a:ea typeface="Courier New" charset="0"/>
+                <a:cs typeface="Courier New" charset="0"/>
+              </a:rPr>
+              <a:t>u</a:t>
+            </a:r>
+            <a:r>
+              <a:rPr lang="en-US" sz="2000" dirty="0" smtClean="0">
+                <a:latin typeface="Courier New" charset="0"/>
+                <a:ea typeface="Courier New" charset="0"/>
+                <a:cs typeface="Courier New" charset="0"/>
+              </a:rPr>
+              <a:t>pdate</a:t>
+            </a:r>
+            <a:r>
+              <a:rPr lang="en-US" dirty="0" smtClean="0"/>
+              <a:t> </a:t>
             </a:r>
             <a:r>
               <a:rPr lang="en-US" dirty="0" err="1" smtClean="0"/>
@@ -4533,6 +4777,30 @@
           <a:chExt cx="0" cy="0"/>
         </a:xfrm>
       </p:grpSpPr>
+      <p:pic>
+        <p:nvPicPr>
+          <p:cNvPr id="4" name="Bild 3"/>
+          <p:cNvPicPr>
+            <a:picLocks noChangeAspect="1"/>
+          </p:cNvPicPr>
+          <p:nvPr/>
+        </p:nvPicPr>
+        <p:blipFill>
+          <a:blip r:embed="rId2"/>
+          <a:stretch>
+            <a:fillRect/>
+          </a:stretch>
+        </p:blipFill>
+        <p:spPr>
+          <a:xfrm>
+            <a:off x="4177657" y="452766"/>
+            <a:ext cx="8094067" cy="6405209"/>
+          </a:xfrm>
+          <a:prstGeom prst="rect">
+            <a:avLst/>
+          </a:prstGeom>
+        </p:spPr>
+      </p:pic>
       <p:sp>
         <p:nvSpPr>
           <p:cNvPr id="2" name="Title 1"/>
@@ -4549,8 +4817,8 @@
           <a:lstStyle/>
           <a:p>
             <a:r>
-              <a:rPr lang="en-US" dirty="0" smtClean="0"/>
-              <a:t>Production Deployment</a:t>
+              <a:rPr lang="en-US" dirty="0" err="1" smtClean="0"/>
+              <a:t>Visualisierung</a:t>
             </a:r>
             <a:endParaRPr lang="en-US" dirty="0"/>
           </a:p>
@@ -4566,127 +4834,83 @@
             <p:ph idx="1"/>
           </p:nvPr>
         </p:nvSpPr>
-        <p:spPr/>
-        <p:txBody>
-          <a:bodyPr/>
-          <a:lstStyle/>
-          <a:p>
-            <a:r>
-              <a:rPr lang="en-US" dirty="0" err="1" smtClean="0"/>
-              <a:t>Szenario</a:t>
-            </a:r>
-            <a:r>
-              <a:rPr lang="en-US" dirty="0" smtClean="0"/>
-              <a:t> Cluster und </a:t>
-            </a:r>
-            <a:r>
-              <a:rPr lang="en-US" dirty="0" err="1" smtClean="0"/>
-              <a:t>Pyspark</a:t>
+        <p:spPr>
+          <a:xfrm>
+            <a:off x="838200" y="1825625"/>
+            <a:ext cx="4517887" cy="4351338"/>
+          </a:xfrm>
+        </p:spPr>
+        <p:txBody>
+          <a:bodyPr/>
+          <a:lstStyle/>
+          <a:p>
+            <a:r>
+              <a:rPr lang="en-US" dirty="0" smtClean="0"/>
+              <a:t>Live Update</a:t>
+            </a:r>
+          </a:p>
+          <a:p>
+            <a:r>
+              <a:rPr lang="en-US" dirty="0" err="1" smtClean="0"/>
+              <a:t>Sprache</a:t>
+            </a:r>
+            <a:r>
+              <a:rPr lang="en-US" dirty="0" smtClean="0"/>
+              <a:t>: </a:t>
+            </a:r>
+            <a:r>
+              <a:rPr lang="en-US" dirty="0" err="1" smtClean="0"/>
+              <a:t>Javascript</a:t>
+            </a:r>
+            <a:endParaRPr lang="en-US" dirty="0" smtClean="0"/>
+          </a:p>
+          <a:p>
+            <a:r>
+              <a:rPr lang="en-US" dirty="0" smtClean="0"/>
+              <a:t>Server: </a:t>
+            </a:r>
+            <a:r>
+              <a:rPr lang="en-US" dirty="0" err="1" smtClean="0"/>
+              <a:t>Node.js</a:t>
             </a:r>
             <a:endParaRPr lang="en-US" dirty="0"/>
           </a:p>
           <a:p>
             <a:r>
               <a:rPr lang="en-US" dirty="0" smtClean="0"/>
-              <a:t>Problem: </a:t>
-            </a:r>
-            <a:r>
-              <a:rPr lang="en-US" dirty="0" err="1" smtClean="0"/>
-              <a:t>Verteilung</a:t>
-            </a:r>
-            <a:r>
-              <a:rPr lang="en-US" dirty="0" smtClean="0"/>
-              <a:t> </a:t>
-            </a:r>
-            <a:r>
-              <a:rPr lang="en-US" dirty="0" err="1" smtClean="0"/>
-              <a:t>Bibliotheken</a:t>
-            </a:r>
-            <a:endParaRPr lang="en-US" dirty="0" smtClean="0"/>
-          </a:p>
-          <a:p>
-            <a:r>
-              <a:rPr lang="en-US" dirty="0" err="1" smtClean="0"/>
-              <a:t>Keine</a:t>
-            </a:r>
-            <a:r>
-              <a:rPr lang="en-US" dirty="0" smtClean="0"/>
-              <a:t> State of the Art </a:t>
-            </a:r>
-            <a:r>
-              <a:rPr lang="en-US" dirty="0" err="1" smtClean="0"/>
-              <a:t>Lösung</a:t>
-            </a:r>
-            <a:r>
-              <a:rPr lang="en-US" dirty="0" smtClean="0"/>
-              <a:t> </a:t>
-            </a:r>
-            <a:r>
-              <a:rPr lang="en-US" dirty="0" err="1" smtClean="0"/>
-              <a:t>gefunden</a:t>
-            </a:r>
-            <a:endParaRPr lang="en-US" dirty="0" smtClean="0"/>
-          </a:p>
-          <a:p>
-            <a:r>
-              <a:rPr lang="en-US" dirty="0" err="1" smtClean="0"/>
-              <a:t>Lösung</a:t>
-            </a:r>
-            <a:r>
-              <a:rPr lang="en-US" dirty="0" smtClean="0"/>
-              <a:t>: Sandboxing</a:t>
-            </a:r>
-          </a:p>
-          <a:p>
-            <a:pPr lvl="1"/>
-            <a:r>
-              <a:rPr lang="en-US" dirty="0" smtClean="0"/>
-              <a:t>Bundle File, welches Dependencies </a:t>
-            </a:r>
-            <a:r>
-              <a:rPr lang="en-US" dirty="0" err="1" smtClean="0"/>
-              <a:t>beschreibt</a:t>
-            </a:r>
-            <a:endParaRPr lang="en-US" dirty="0" smtClean="0"/>
-          </a:p>
-          <a:p>
-            <a:pPr lvl="1"/>
-            <a:r>
-              <a:rPr lang="en-US" dirty="0" err="1" smtClean="0"/>
-              <a:t>Beim</a:t>
-            </a:r>
-            <a:r>
-              <a:rPr lang="en-US" dirty="0" smtClean="0"/>
-              <a:t> </a:t>
-            </a:r>
-            <a:r>
-              <a:rPr lang="en-US" dirty="0" err="1" smtClean="0"/>
-              <a:t>Deployen</a:t>
-            </a:r>
-            <a:r>
-              <a:rPr lang="en-US" dirty="0" smtClean="0"/>
-              <a:t> </a:t>
-            </a:r>
-            <a:r>
-              <a:rPr lang="en-US" dirty="0" err="1" smtClean="0"/>
-              <a:t>werden</a:t>
-            </a:r>
-            <a:r>
-              <a:rPr lang="en-US" dirty="0" smtClean="0"/>
-              <a:t> Dependencies </a:t>
-            </a:r>
-            <a:r>
-              <a:rPr lang="en-US" dirty="0" err="1" smtClean="0"/>
-              <a:t>installiert</a:t>
-            </a:r>
-            <a:endParaRPr lang="en-US" dirty="0" smtClean="0"/>
+              <a:t>Framework: </a:t>
+            </a:r>
+            <a:r>
+              <a:rPr lang="en-US" dirty="0" err="1" smtClean="0"/>
+              <a:t>React.js</a:t>
+            </a:r>
+            <a:endParaRPr lang="en-US" dirty="0"/>
+          </a:p>
+          <a:p>
+            <a:r>
+              <a:rPr lang="en-US" dirty="0" smtClean="0"/>
+              <a:t>Chart </a:t>
+            </a:r>
+            <a:r>
+              <a:rPr lang="en-US" dirty="0" err="1" smtClean="0"/>
+              <a:t>Bibliothek</a:t>
+            </a:r>
+            <a:r>
+              <a:rPr lang="en-US" dirty="0" smtClean="0"/>
+              <a:t>: </a:t>
+            </a:r>
+            <a:r>
+              <a:rPr lang="en-US" dirty="0" err="1" smtClean="0"/>
+              <a:t>Highcharts.js</a:t>
+            </a:r>
+            <a:endParaRPr lang="en-US" dirty="0"/>
           </a:p>
         </p:txBody>
       </p:sp>
     </p:spTree>
     <p:extLst>
       <p:ext uri="{BB962C8B-B14F-4D97-AF65-F5344CB8AC3E}">
-        <p14:creationId xmlns:p14="http://schemas.microsoft.com/office/powerpoint/2010/main" val="802036660"/>
+        <p14:creationId xmlns:p14="http://schemas.microsoft.com/office/powerpoint/2010/main" val="553511373"/>
       </p:ext>
     </p:extLst>
   </p:cSld>
